--- a/PCATEST/What is PCA.pptx
+++ b/PCATEST/What is PCA.pptx
@@ -248,7 +248,7 @@
           <a:p>
             <a:fld id="{CFBC16ED-C981-4996-AD69-562AFDF045D8}" type="datetimeFigureOut">
               <a:rPr lang="zh-CN" altLang="en-US" smtClean="0"/>
-              <a:t>2019/11/11</a:t>
+              <a:t>2019/11/13</a:t>
             </a:fld>
             <a:endParaRPr lang="zh-CN" altLang="en-US"/>
           </a:p>
@@ -425,7 +425,7 @@
           <a:p>
             <a:fld id="{3A6DFB1D-ABE1-43A9-9A76-5F7CC388CE20}" type="datetimeFigureOut">
               <a:rPr lang="zh-CN" altLang="en-US" smtClean="0"/>
-              <a:t>2019/11/11</a:t>
+              <a:t>2019/11/13</a:t>
             </a:fld>
             <a:endParaRPr lang="zh-CN" altLang="en-US"/>
           </a:p>
@@ -1468,7 +1468,7 @@
           <a:p>
             <a:fld id="{BBB9AA11-1125-413D-B3C3-EAF9A3A3778C}" type="datetimeFigureOut">
               <a:rPr lang="zh-CN" altLang="en-US" smtClean="0"/>
-              <a:t>2019/11/11</a:t>
+              <a:t>2019/11/13</a:t>
             </a:fld>
             <a:endParaRPr lang="zh-CN" altLang="en-US"/>
           </a:p>
@@ -6281,20 +6281,7 @@
                 <a:latin typeface="思源黑体 CN Light" panose="020B0300000000000000" pitchFamily="34" charset="-122"/>
                 <a:ea typeface="思源黑体 CN Light" panose="020B0300000000000000" pitchFamily="34" charset="-122"/>
               </a:rPr>
-              <a:t>处理高维向量时，</a:t>
-            </a:r>
-            <a:r>
-              <a:rPr kumimoji="1" lang="zh-CN" altLang="en-US" sz="1400" smtClean="0">
-                <a:solidFill>
-                  <a:schemeClr val="tx1">
-                    <a:lumMod val="75000"/>
-                    <a:lumOff val="25000"/>
-                  </a:schemeClr>
-                </a:solidFill>
-                <a:latin typeface="思源黑体 CN Light" panose="020B0300000000000000" pitchFamily="34" charset="-122"/>
-                <a:ea typeface="思源黑体 CN Light" panose="020B0300000000000000" pitchFamily="34" charset="-122"/>
-              </a:rPr>
-              <a:t>我</a:t>
+              <a:t>处理高维向量时，我</a:t>
             </a:r>
             <a:r>
               <a:rPr kumimoji="1" lang="zh-CN" altLang="en-US" sz="1400">
@@ -6307,20 +6294,7 @@
                 <a:latin typeface="思源黑体 CN Light" panose="020B0300000000000000" pitchFamily="34" charset="-122"/>
                 <a:ea typeface="思源黑体 CN Light" panose="020B0300000000000000" pitchFamily="34" charset="-122"/>
               </a:rPr>
-              <a:t>们希望找到一个方向使得投影后方差最大，这样就完成了第一个方向的选择，继而我们选择第二个投影</a:t>
-            </a:r>
-            <a:r>
-              <a:rPr kumimoji="1" lang="zh-CN" altLang="en-US" sz="1400">
-                <a:solidFill>
-                  <a:schemeClr val="tx1">
-                    <a:lumMod val="75000"/>
-                    <a:lumOff val="25000"/>
-                  </a:schemeClr>
-                </a:solidFill>
-                <a:latin typeface="思源黑体 CN Light" panose="020B0300000000000000" pitchFamily="34" charset="-122"/>
-                <a:ea typeface="思源黑体 CN Light" panose="020B0300000000000000" pitchFamily="34" charset="-122"/>
-              </a:rPr>
-              <a:t>方</a:t>
+              <a:t>们希望找到一个方向使得投影后方差最大，这样就完成了第一个方向的选择，继而我们选择第二个投影方</a:t>
             </a:r>
             <a:r>
               <a:rPr kumimoji="1" lang="zh-CN" altLang="en-US" sz="1400" smtClean="0">
@@ -8477,11 +8451,7 @@
           <a:p>
             <a:r>
               <a:rPr lang="zh-CN" altLang="en-US" sz="2800"/>
-              <a:t>协</a:t>
-            </a:r>
-            <a:r>
-              <a:rPr lang="zh-CN" altLang="en-US" sz="2800"/>
-              <a:t>方</a:t>
+              <a:t>协方</a:t>
             </a:r>
             <a:r>
               <a:rPr lang="zh-CN" altLang="en-US" sz="2800" smtClean="0"/>
@@ -8656,11 +8626,7 @@
             </a:r>
             <a:r>
               <a:rPr lang="zh-CN" altLang="en-US"/>
-              <a:t>列矩</a:t>
-            </a:r>
-            <a:r>
-              <a:rPr lang="zh-CN" altLang="en-US"/>
-              <a:t>阵</a:t>
+              <a:t>列矩阵</a:t>
             </a:r>
             <a:r>
               <a:rPr lang="en-US" altLang="zh-CN" smtClean="0"/>
@@ -8685,11 +8651,7 @@
             </a:r>
             <a:r>
               <a:rPr lang="zh-CN" altLang="en-US"/>
-              <a:t>的每一行（代表一个属性字段）进行零均值化，即减去这一行的</a:t>
-            </a:r>
-            <a:r>
-              <a:rPr lang="zh-CN" altLang="en-US"/>
-              <a:t>均</a:t>
+              <a:t>的每一行（代表一个属性字段）进行零均值化，即减去这一行的均</a:t>
             </a:r>
             <a:r>
               <a:rPr lang="zh-CN" altLang="en-US" smtClean="0"/>
@@ -8707,11 +8669,7 @@
             </a:pPr>
             <a:r>
               <a:rPr lang="zh-CN" altLang="en-US"/>
-              <a:t>求出协方差</a:t>
-            </a:r>
-            <a:r>
-              <a:rPr lang="zh-CN" altLang="en-US"/>
-              <a:t>矩</a:t>
+              <a:t>求出协方差矩</a:t>
             </a:r>
             <a:r>
               <a:rPr lang="zh-CN" altLang="en-US" smtClean="0"/>
@@ -8729,11 +8687,7 @@
             </a:pPr>
             <a:r>
               <a:rPr lang="zh-CN" altLang="en-US"/>
-              <a:t>求出协方差矩阵的特征值及对应的特征</a:t>
-            </a:r>
-            <a:r>
-              <a:rPr lang="zh-CN" altLang="en-US"/>
-              <a:t>向</a:t>
+              <a:t>求出协方差矩阵的特征值及对应的特征向</a:t>
             </a:r>
             <a:r>
               <a:rPr lang="zh-CN" altLang="en-US" smtClean="0"/>
@@ -8759,11 +8713,7 @@
             </a:r>
             <a:r>
               <a:rPr lang="zh-CN" altLang="en-US"/>
-              <a:t>行组成矩</a:t>
-            </a:r>
-            <a:r>
-              <a:rPr lang="zh-CN" altLang="en-US"/>
-              <a:t>阵</a:t>
+              <a:t>行组成矩阵</a:t>
             </a:r>
             <a:r>
               <a:rPr lang="en-US" altLang="zh-CN" smtClean="0"/>
@@ -10952,7 +10902,21 @@
                 <a:latin typeface="微软雅黑 Light" panose="020B0502040204020203" pitchFamily="34" charset="-122"/>
                 <a:ea typeface="微软雅黑 Light" panose="020B0502040204020203" pitchFamily="34" charset="-122"/>
               </a:rPr>
-              <a:t>。新的低维数据集会经可能的保留原始数据的变量</a:t>
+              <a:t>。新的低维数据集</a:t>
+            </a:r>
+            <a:r>
+              <a:rPr lang="zh-CN" altLang="en-US" sz="1400" smtClean="0">
+                <a:latin typeface="微软雅黑 Light" panose="020B0502040204020203" pitchFamily="34" charset="-122"/>
+                <a:ea typeface="微软雅黑 Light" panose="020B0502040204020203" pitchFamily="34" charset="-122"/>
+              </a:rPr>
+              <a:t>会尽可</a:t>
+            </a:r>
+            <a:r>
+              <a:rPr lang="zh-CN" altLang="en-US" sz="1400">
+                <a:latin typeface="微软雅黑 Light" panose="020B0502040204020203" pitchFamily="34" charset="-122"/>
+                <a:ea typeface="微软雅黑 Light" panose="020B0502040204020203" pitchFamily="34" charset="-122"/>
+              </a:rPr>
+              <a:t>能的保留原始数据的变量</a:t>
             </a:r>
             <a:r>
               <a:rPr lang="zh-CN" altLang="en-US" sz="1400" smtClean="0">
@@ -11723,18 +11687,28 @@
               <a:t>中</a:t>
             </a:r>
             <a:r>
-              <a:rPr kumimoji="1" lang="en-US" altLang="zh-CN" sz="1400" smtClean="0">
-                <a:solidFill>
-                  <a:schemeClr val="tx1">
-                    <a:lumMod val="75000"/>
-                    <a:lumOff val="25000"/>
-                  </a:schemeClr>
-                </a:solidFill>
-                <a:latin typeface="思源黑体 CN Light" panose="020B0300000000000000" pitchFamily="34" charset="-122"/>
-                <a:ea typeface="思源黑体 CN Light" panose="020B0300000000000000" pitchFamily="34" charset="-122"/>
-              </a:rPr>
-              <a:t>.</a:t>
-            </a:r>
+              <a:rPr kumimoji="1" lang="zh-CN" altLang="en-US" sz="1400">
+                <a:solidFill>
+                  <a:schemeClr val="tx1">
+                    <a:lumMod val="75000"/>
+                    <a:lumOff val="25000"/>
+                  </a:schemeClr>
+                </a:solidFill>
+                <a:latin typeface="思源黑体 CN Light" panose="020B0300000000000000" pitchFamily="34" charset="-122"/>
+                <a:ea typeface="思源黑体 CN Light" panose="020B0300000000000000" pitchFamily="34" charset="-122"/>
+              </a:rPr>
+              <a:t>。</a:t>
+            </a:r>
+            <a:endParaRPr kumimoji="1" lang="en-US" altLang="zh-CN" sz="1400" smtClean="0">
+              <a:solidFill>
+                <a:schemeClr val="tx1">
+                  <a:lumMod val="75000"/>
+                  <a:lumOff val="25000"/>
+                </a:schemeClr>
+              </a:solidFill>
+              <a:latin typeface="思源黑体 CN Light" panose="020B0300000000000000" pitchFamily="34" charset="-122"/>
+              <a:ea typeface="思源黑体 CN Light" panose="020B0300000000000000" pitchFamily="34" charset="-122"/>
+            </a:endParaRPr>
           </a:p>
           <a:p>
             <a:pPr algn="just">
@@ -11835,7 +11809,7 @@
                 <a:latin typeface="思源黑体 CN Light" panose="020B0300000000000000" pitchFamily="34" charset="-122"/>
                 <a:ea typeface="思源黑体 CN Light" panose="020B0300000000000000" pitchFamily="34" charset="-122"/>
               </a:rPr>
-              <a:t>不能有效的发挥作用，因为各个方向上的方差都相等；没有丢失大量的信息维度一个都不能忽</a:t>
+              <a:t>不能有效的发挥作用，因为各个方向上的方差都相</a:t>
             </a:r>
             <a:r>
               <a:rPr kumimoji="1" lang="zh-CN" altLang="en-US" sz="1400" smtClean="0">
@@ -11848,7 +11822,7 @@
                 <a:latin typeface="思源黑体 CN Light" panose="020B0300000000000000" pitchFamily="34" charset="-122"/>
                 <a:ea typeface="思源黑体 CN Light" panose="020B0300000000000000" pitchFamily="34" charset="-122"/>
               </a:rPr>
-              <a:t>略</a:t>
+              <a:t>等。</a:t>
             </a:r>
             <a:endParaRPr kumimoji="1" lang="en-US" altLang="zh-CN" sz="1400" smtClean="0">
               <a:solidFill>
@@ -12396,13 +12370,13 @@
   <p:clrMapOvr>
     <a:masterClrMapping/>
   </p:clrMapOvr>
-  <mc:AlternateContent xmlns:mc="http://schemas.openxmlformats.org/markup-compatibility/2006">
-    <mc:Choice xmlns:p14="http://schemas.microsoft.com/office/powerpoint/2010/main" Requires="p14">
+  <mc:AlternateContent xmlns:mc="http://schemas.openxmlformats.org/markup-compatibility/2006" xmlns:p14="http://schemas.microsoft.com/office/powerpoint/2010/main">
+    <mc:Choice Requires="p14">
       <p:transition spd="slow" p14:dur="1250">
         <p14:reveal/>
       </p:transition>
     </mc:Choice>
-    <mc:Fallback>
+    <mc:Fallback xmlns="">
       <p:transition spd="slow">
         <p:fade/>
       </p:transition>
